--- a/logos/logos.pptx
+++ b/logos/logos.pptx
@@ -5,13 +5,14 @@
     <p:sldMasterId id="2147483648" r:id="rId1"/>
   </p:sldMasterIdLst>
   <p:notesMasterIdLst>
-    <p:notesMasterId r:id="rId4"/>
+    <p:notesMasterId r:id="rId5"/>
   </p:notesMasterIdLst>
   <p:handoutMasterIdLst>
-    <p:handoutMasterId r:id="rId5"/>
+    <p:handoutMasterId r:id="rId6"/>
   </p:handoutMasterIdLst>
   <p:sldIdLst>
     <p:sldId id="256" r:id="rId3"/>
+    <p:sldId id="257" r:id="rId4"/>
   </p:sldIdLst>
   <p:sldSz cx="6858000" cy="12189460"/>
   <p:notesSz cx="7103745" cy="10234295"/>
@@ -3601,6 +3602,83 @@
           </a:prstGeom>
         </p:spPr>
       </p:pic>
+    </p:spTree>
+  </p:cSld>
+  <p:clrMapOvr>
+    <a:masterClrMapping/>
+  </p:clrMapOvr>
+</p:sld>
+</file>
+
+<file path=ppt/slides/slide2.xml><?xml version="1.0" encoding="utf-8"?>
+<p:sld xmlns:a="http://schemas.openxmlformats.org/drawingml/2006/main" xmlns:r="http://schemas.openxmlformats.org/officeDocument/2006/relationships" xmlns:p="http://schemas.openxmlformats.org/presentationml/2006/main">
+  <p:cSld>
+    <p:spTree>
+      <p:nvGrpSpPr>
+        <p:cNvPr id="1" name=""/>
+        <p:cNvGrpSpPr/>
+        <p:nvPr/>
+      </p:nvGrpSpPr>
+      <p:grpSpPr/>
+      <p:sp>
+        <p:nvSpPr>
+          <p:cNvPr id="2" name="Title 1"/>
+          <p:cNvSpPr>
+            <a:spLocks noGrp="1"/>
+          </p:cNvSpPr>
+          <p:nvPr>
+            <p:ph type="title"/>
+          </p:nvPr>
+        </p:nvSpPr>
+        <p:spPr>
+          <a:xfrm>
+            <a:off x="364490" y="459105"/>
+            <a:ext cx="6089015" cy="2703195"/>
+          </a:xfrm>
+        </p:spPr>
+        <p:txBody>
+          <a:bodyPr/>
+          <a:p>
+            <a:r>
+              <a:rPr lang="pt-PT" altLang="en-US" sz="9600">
+                <a:ln/>
+                <a:solidFill>
+                  <a:schemeClr val="accent1">
+                    <a:lumMod val="50000"/>
+                  </a:schemeClr>
+                </a:solidFill>
+                <a:effectLst>
+                  <a:outerShdw blurRad="38100" dist="25400" dir="5400000" algn="ctr" rotWithShape="0">
+                    <a:srgbClr val="6E747A">
+                      <a:alpha val="43000"/>
+                    </a:srgbClr>
+                  </a:outerShdw>
+                </a:effectLst>
+                <a:latin typeface="Lato" panose="020F0602020204030203" charset="0"/>
+                <a:cs typeface="Lato" panose="020F0602020204030203" charset="0"/>
+              </a:rPr>
+              <a:t>VOLTAR</a:t>
+            </a:r>
+            <a:endParaRPr lang="pt-PT" altLang="en-US" sz="9600">
+              <a:ln/>
+              <a:solidFill>
+                <a:schemeClr val="accent1">
+                  <a:lumMod val="50000"/>
+                </a:schemeClr>
+              </a:solidFill>
+              <a:effectLst>
+                <a:outerShdw blurRad="38100" dist="25400" dir="5400000" algn="ctr" rotWithShape="0">
+                  <a:srgbClr val="6E747A">
+                    <a:alpha val="43000"/>
+                  </a:srgbClr>
+                </a:outerShdw>
+              </a:effectLst>
+              <a:latin typeface="Lato" panose="020F0602020204030203" charset="0"/>
+              <a:cs typeface="Lato" panose="020F0602020204030203" charset="0"/>
+            </a:endParaRPr>
+          </a:p>
+        </p:txBody>
+      </p:sp>
     </p:spTree>
   </p:cSld>
   <p:clrMapOvr>
